--- a/跑鞋/paoxie.pptx
+++ b/跑鞋/paoxie.pptx
@@ -6,6 +6,12 @@
   </p:sldMasterIdLst>
   <p:sldIdLst>
     <p:sldId id="256" r:id="rId2"/>
+    <p:sldId id="257" r:id="rId3"/>
+    <p:sldId id="258" r:id="rId4"/>
+    <p:sldId id="262" r:id="rId5"/>
+    <p:sldId id="259" r:id="rId6"/>
+    <p:sldId id="261" r:id="rId7"/>
+    <p:sldId id="260" r:id="rId8"/>
   </p:sldIdLst>
   <p:sldSz cx="12192000" cy="6858000"/>
   <p:notesSz cx="6858000" cy="9144000"/>
@@ -104,6 +110,11 @@
       </a:defRPr>
     </a:lvl9pPr>
   </p:defaultTextStyle>
+  <p:extLst>
+    <p:ext uri="{EFAFB233-063F-42B5-8137-9DF3F51BA10A}">
+      <p15:sldGuideLst xmlns:p15="http://schemas.microsoft.com/office/powerpoint/2012/main"/>
+    </p:ext>
+  </p:extLst>
 </p:presentation>
 </file>
 
@@ -3000,6 +3011,907 @@
 </p:sld>
 </file>
 
+<file path=ppt/slides/slide2.xml><?xml version="1.0" encoding="utf-8"?>
+<p:sld xmlns:a="http://schemas.openxmlformats.org/drawingml/2006/main" xmlns:r="http://schemas.openxmlformats.org/officeDocument/2006/relationships" xmlns:p="http://schemas.openxmlformats.org/presentationml/2006/main">
+  <p:cSld>
+    <p:spTree>
+      <p:nvGrpSpPr>
+        <p:cNvPr id="1" name=""/>
+        <p:cNvGrpSpPr/>
+        <p:nvPr/>
+      </p:nvGrpSpPr>
+      <p:grpSpPr>
+        <a:xfrm>
+          <a:off x="0" y="0"/>
+          <a:ext cx="0" cy="0"/>
+          <a:chOff x="0" y="0"/>
+          <a:chExt cx="0" cy="0"/>
+        </a:xfrm>
+      </p:grpSpPr>
+      <p:sp>
+        <p:nvSpPr>
+          <p:cNvPr id="2" name="标题 1"/>
+          <p:cNvSpPr>
+            <a:spLocks noGrp="1"/>
+          </p:cNvSpPr>
+          <p:nvPr>
+            <p:ph type="ctrTitle"/>
+          </p:nvPr>
+        </p:nvSpPr>
+        <p:spPr>
+          <a:xfrm>
+            <a:off x="1423987" y="600075"/>
+            <a:ext cx="9144000" cy="1081088"/>
+          </a:xfrm>
+        </p:spPr>
+        <p:txBody>
+          <a:bodyPr>
+            <a:normAutofit/>
+          </a:bodyPr>
+          <a:lstStyle/>
+          <a:p>
+            <a:r>
+              <a:rPr kumimoji="1" lang="zh-CN" altLang="en-US" dirty="0" smtClean="0"/>
+              <a:t>鸿星尔克</a:t>
+            </a:r>
+            <a:r>
+              <a:rPr kumimoji="1" lang="zh-CN" altLang="en-US" dirty="0"/>
+              <a:t>，</a:t>
+            </a:r>
+            <a:r>
+              <a:rPr kumimoji="1" lang="zh-CN" altLang="en-US" dirty="0"/>
+              <a:t>抄袭</a:t>
+            </a:r>
+            <a:r>
+              <a:rPr kumimoji="1" lang="en-US" altLang="zh-CN" dirty="0"/>
+              <a:t>NO.1</a:t>
+            </a:r>
+            <a:endParaRPr kumimoji="1" lang="zh-CN" altLang="en-US" dirty="0"/>
+          </a:p>
+        </p:txBody>
+      </p:sp>
+      <p:pic>
+        <p:nvPicPr>
+          <p:cNvPr id="1026" name="Picture 2" descr="http://5b0988e595225.cdn.sohucs.com/images/20180823/0f1466e57d824467b8b8820c5c5eba27.jpeg"/>
+          <p:cNvPicPr>
+            <a:picLocks noChangeAspect="1" noChangeArrowheads="1"/>
+          </p:cNvPicPr>
+          <p:nvPr/>
+        </p:nvPicPr>
+        <p:blipFill>
+          <a:blip r:embed="rId2">
+            <a:extLst>
+              <a:ext uri="{28A0092B-C50C-407E-A947-70E740481C1C}">
+                <a14:useLocalDpi xmlns:a14="http://schemas.microsoft.com/office/drawing/2010/main" val="0"/>
+              </a:ext>
+            </a:extLst>
+          </a:blip>
+          <a:srcRect/>
+          <a:stretch>
+            <a:fillRect/>
+          </a:stretch>
+        </p:blipFill>
+        <p:spPr bwMode="auto">
+          <a:xfrm>
+            <a:off x="1400728" y="1681163"/>
+            <a:ext cx="9190518" cy="4391025"/>
+          </a:xfrm>
+          <a:prstGeom prst="rect">
+            <a:avLst/>
+          </a:prstGeom>
+          <a:noFill/>
+          <a:extLst>
+            <a:ext uri="{909E8E84-426E-40DD-AFC4-6F175D3DCCD1}">
+              <a14:hiddenFill xmlns:a14="http://schemas.microsoft.com/office/drawing/2010/main">
+                <a:solidFill>
+                  <a:srgbClr val="FFFFFF"/>
+                </a:solidFill>
+              </a14:hiddenFill>
+            </a:ext>
+          </a:extLst>
+        </p:spPr>
+      </p:pic>
+    </p:spTree>
+    <p:extLst>
+      <p:ext uri="{BB962C8B-B14F-4D97-AF65-F5344CB8AC3E}">
+        <p14:creationId xmlns:p14="http://schemas.microsoft.com/office/powerpoint/2010/main" val="320280861"/>
+      </p:ext>
+    </p:extLst>
+  </p:cSld>
+  <p:clrMapOvr>
+    <a:masterClrMapping/>
+  </p:clrMapOvr>
+</p:sld>
+</file>
+
+<file path=ppt/slides/slide3.xml><?xml version="1.0" encoding="utf-8"?>
+<p:sld xmlns:a="http://schemas.openxmlformats.org/drawingml/2006/main" xmlns:r="http://schemas.openxmlformats.org/officeDocument/2006/relationships" xmlns:p="http://schemas.openxmlformats.org/presentationml/2006/main">
+  <p:cSld>
+    <p:spTree>
+      <p:nvGrpSpPr>
+        <p:cNvPr id="1" name=""/>
+        <p:cNvGrpSpPr/>
+        <p:nvPr/>
+      </p:nvGrpSpPr>
+      <p:grpSpPr>
+        <a:xfrm>
+          <a:off x="0" y="0"/>
+          <a:ext cx="0" cy="0"/>
+          <a:chOff x="0" y="0"/>
+          <a:chExt cx="0" cy="0"/>
+        </a:xfrm>
+      </p:grpSpPr>
+      <p:sp>
+        <p:nvSpPr>
+          <p:cNvPr id="2" name="标题 1"/>
+          <p:cNvSpPr>
+            <a:spLocks noGrp="1"/>
+          </p:cNvSpPr>
+          <p:nvPr>
+            <p:ph type="ctrTitle"/>
+          </p:nvPr>
+        </p:nvSpPr>
+        <p:spPr/>
+        <p:txBody>
+          <a:bodyPr/>
+          <a:lstStyle/>
+          <a:p>
+            <a:r>
+              <a:rPr kumimoji="1" lang="zh-CN" altLang="en-US" dirty="0" smtClean="0"/>
+              <a:t>怎么选择跑鞋</a:t>
+            </a:r>
+            <a:endParaRPr kumimoji="1" lang="zh-CN" altLang="en-US" dirty="0"/>
+          </a:p>
+        </p:txBody>
+      </p:sp>
+    </p:spTree>
+    <p:extLst>
+      <p:ext uri="{BB962C8B-B14F-4D97-AF65-F5344CB8AC3E}">
+        <p14:creationId xmlns:p14="http://schemas.microsoft.com/office/powerpoint/2010/main" val="1524605042"/>
+      </p:ext>
+    </p:extLst>
+  </p:cSld>
+  <p:clrMapOvr>
+    <a:masterClrMapping/>
+  </p:clrMapOvr>
+</p:sld>
+</file>
+
+<file path=ppt/slides/slide4.xml><?xml version="1.0" encoding="utf-8"?>
+<p:sld xmlns:a="http://schemas.openxmlformats.org/drawingml/2006/main" xmlns:r="http://schemas.openxmlformats.org/officeDocument/2006/relationships" xmlns:p="http://schemas.openxmlformats.org/presentationml/2006/main">
+  <p:cSld>
+    <p:spTree>
+      <p:nvGrpSpPr>
+        <p:cNvPr id="1" name=""/>
+        <p:cNvGrpSpPr/>
+        <p:nvPr/>
+      </p:nvGrpSpPr>
+      <p:grpSpPr>
+        <a:xfrm>
+          <a:off x="0" y="0"/>
+          <a:ext cx="0" cy="0"/>
+          <a:chOff x="0" y="0"/>
+          <a:chExt cx="0" cy="0"/>
+        </a:xfrm>
+      </p:grpSpPr>
+      <p:sp>
+        <p:nvSpPr>
+          <p:cNvPr id="2" name="标题 1"/>
+          <p:cNvSpPr>
+            <a:spLocks noGrp="1"/>
+          </p:cNvSpPr>
+          <p:nvPr>
+            <p:ph type="ctrTitle"/>
+          </p:nvPr>
+        </p:nvSpPr>
+        <p:spPr>
+          <a:xfrm>
+            <a:off x="1466850" y="500062"/>
+            <a:ext cx="9144000" cy="1152525"/>
+          </a:xfrm>
+        </p:spPr>
+        <p:txBody>
+          <a:bodyPr/>
+          <a:lstStyle/>
+          <a:p>
+            <a:r>
+              <a:rPr kumimoji="1" lang="zh-CN" altLang="en-US" dirty="0" smtClean="0"/>
+              <a:t>跑鞋的减震技术</a:t>
+            </a:r>
+            <a:endParaRPr kumimoji="1" lang="zh-CN" altLang="en-US" dirty="0"/>
+          </a:p>
+        </p:txBody>
+      </p:sp>
+      <p:sp>
+        <p:nvSpPr>
+          <p:cNvPr id="3" name="矩形 2"/>
+          <p:cNvSpPr/>
+          <p:nvPr/>
+        </p:nvSpPr>
+        <p:spPr>
+          <a:xfrm>
+            <a:off x="2139634" y="3725167"/>
+            <a:ext cx="1107996" cy="369332"/>
+          </a:xfrm>
+          <a:prstGeom prst="rect">
+            <a:avLst/>
+          </a:prstGeom>
+        </p:spPr>
+        <p:txBody>
+          <a:bodyPr wrap="none">
+            <a:spAutoFit/>
+          </a:bodyPr>
+          <a:lstStyle/>
+          <a:p>
+            <a:r>
+              <a:rPr lang="zh-CN" altLang="en-US">
+                <a:solidFill>
+                  <a:srgbClr val="555555"/>
+                </a:solidFill>
+                <a:latin typeface="TIBch" charset="0"/>
+              </a:rPr>
+              <a:t>机械减震</a:t>
+            </a:r>
+            <a:endParaRPr lang="zh-CN" altLang="en-US"/>
+          </a:p>
+        </p:txBody>
+      </p:sp>
+      <p:sp>
+        <p:nvSpPr>
+          <p:cNvPr id="4" name="矩形 3"/>
+          <p:cNvSpPr/>
+          <p:nvPr/>
+        </p:nvSpPr>
+        <p:spPr>
+          <a:xfrm>
+            <a:off x="2134826" y="1652587"/>
+            <a:ext cx="870751" cy="369332"/>
+          </a:xfrm>
+          <a:prstGeom prst="rect">
+            <a:avLst/>
+          </a:prstGeom>
+        </p:spPr>
+        <p:txBody>
+          <a:bodyPr wrap="none">
+            <a:spAutoFit/>
+          </a:bodyPr>
+          <a:lstStyle/>
+          <a:p>
+            <a:r>
+              <a:rPr lang="en-US" altLang="zh-CN" b="1">
+                <a:solidFill>
+                  <a:srgbClr val="191919"/>
+                </a:solidFill>
+                <a:latin typeface="PingFang SC" charset="-122"/>
+              </a:rPr>
+              <a:t>ASICS</a:t>
+            </a:r>
+            <a:endParaRPr lang="zh-CN" altLang="en-US" dirty="0"/>
+          </a:p>
+        </p:txBody>
+      </p:sp>
+      <p:sp>
+        <p:nvSpPr>
+          <p:cNvPr id="5" name="矩形 4"/>
+          <p:cNvSpPr/>
+          <p:nvPr/>
+        </p:nvSpPr>
+        <p:spPr>
+          <a:xfrm>
+            <a:off x="2134825" y="2251114"/>
+            <a:ext cx="8980849" cy="646331"/>
+          </a:xfrm>
+          <a:prstGeom prst="rect">
+            <a:avLst/>
+          </a:prstGeom>
+        </p:spPr>
+        <p:txBody>
+          <a:bodyPr wrap="square">
+            <a:spAutoFit/>
+          </a:bodyPr>
+          <a:lstStyle/>
+          <a:p>
+            <a:r>
+              <a:rPr lang="en-US" altLang="zh-CN" dirty="0">
+                <a:solidFill>
+                  <a:srgbClr val="191919"/>
+                </a:solidFill>
+                <a:latin typeface="PingFang SC" charset="-122"/>
+              </a:rPr>
+              <a:t>ASICS</a:t>
+            </a:r>
+            <a:r>
+              <a:rPr lang="zh-CN" altLang="en-US" dirty="0">
+                <a:solidFill>
+                  <a:srgbClr val="191919"/>
+                </a:solidFill>
+                <a:latin typeface="PingFang SC" charset="-122"/>
+              </a:rPr>
+              <a:t>作为跑鞋之王是有理由的，有人用</a:t>
+            </a:r>
+            <a:r>
+              <a:rPr lang="en-US" altLang="zh-CN" dirty="0">
+                <a:solidFill>
+                  <a:srgbClr val="191919"/>
+                </a:solidFill>
+                <a:latin typeface="PingFang SC" charset="-122"/>
+              </a:rPr>
+              <a:t>ASICS</a:t>
+            </a:r>
+            <a:r>
+              <a:rPr lang="zh-CN" altLang="en-US" dirty="0">
+                <a:solidFill>
+                  <a:srgbClr val="191919"/>
+                </a:solidFill>
+                <a:latin typeface="PingFang SC" charset="-122"/>
+              </a:rPr>
+              <a:t>做了一个减震实验</a:t>
+            </a:r>
+            <a:r>
+              <a:rPr lang="en-US" altLang="zh-CN" dirty="0">
+                <a:solidFill>
+                  <a:srgbClr val="191919"/>
+                </a:solidFill>
+                <a:latin typeface="PingFang SC" charset="-122"/>
+              </a:rPr>
+              <a:t>——</a:t>
+            </a:r>
+            <a:r>
+              <a:rPr lang="zh-CN" altLang="en-US" dirty="0">
+                <a:solidFill>
+                  <a:srgbClr val="191919"/>
+                </a:solidFill>
+                <a:latin typeface="PingFang SC" charset="-122"/>
+              </a:rPr>
+              <a:t>将一个生鸡蛋从</a:t>
+            </a:r>
+            <a:r>
+              <a:rPr lang="en-US" altLang="zh-CN" dirty="0">
+                <a:solidFill>
+                  <a:srgbClr val="191919"/>
+                </a:solidFill>
+                <a:latin typeface="PingFang SC" charset="-122"/>
+              </a:rPr>
+              <a:t>18</a:t>
+            </a:r>
+            <a:r>
+              <a:rPr lang="zh-CN" altLang="en-US" dirty="0">
+                <a:solidFill>
+                  <a:srgbClr val="191919"/>
+                </a:solidFill>
+                <a:latin typeface="PingFang SC" charset="-122"/>
+              </a:rPr>
+              <a:t>米高空（</a:t>
+            </a:r>
+            <a:r>
+              <a:rPr lang="en-US" altLang="zh-CN" dirty="0">
+                <a:solidFill>
+                  <a:srgbClr val="191919"/>
+                </a:solidFill>
+                <a:latin typeface="PingFang SC" charset="-122"/>
+              </a:rPr>
+              <a:t>6</a:t>
+            </a:r>
+            <a:r>
+              <a:rPr lang="zh-CN" altLang="en-US" dirty="0">
+                <a:solidFill>
+                  <a:srgbClr val="191919"/>
+                </a:solidFill>
+                <a:latin typeface="PingFang SC" charset="-122"/>
+              </a:rPr>
+              <a:t>层楼）掉下来落在</a:t>
+            </a:r>
+            <a:r>
+              <a:rPr lang="en-US" altLang="zh-CN" dirty="0">
+                <a:solidFill>
+                  <a:srgbClr val="191919"/>
+                </a:solidFill>
+                <a:latin typeface="PingFang SC" charset="-122"/>
+              </a:rPr>
+              <a:t>2CM </a:t>
+            </a:r>
+            <a:r>
+              <a:rPr lang="zh-CN" altLang="en-US" dirty="0">
+                <a:solidFill>
+                  <a:srgbClr val="191919"/>
+                </a:solidFill>
+                <a:latin typeface="PingFang SC" charset="-122"/>
+              </a:rPr>
+              <a:t>的</a:t>
+            </a:r>
+            <a:r>
+              <a:rPr lang="en-US" altLang="zh-CN" b="1" dirty="0">
+                <a:solidFill>
+                  <a:srgbClr val="191919"/>
+                </a:solidFill>
+                <a:latin typeface="PingFang SC" charset="-122"/>
+              </a:rPr>
+              <a:t>GEL</a:t>
+            </a:r>
+            <a:r>
+              <a:rPr lang="zh-CN" altLang="en-US" b="1" dirty="0">
+                <a:solidFill>
+                  <a:srgbClr val="191919"/>
+                </a:solidFill>
+                <a:latin typeface="PingFang SC" charset="-122"/>
+              </a:rPr>
+              <a:t>减震胶</a:t>
+            </a:r>
+            <a:r>
+              <a:rPr lang="zh-CN" altLang="en-US" dirty="0">
+                <a:solidFill>
+                  <a:srgbClr val="191919"/>
+                </a:solidFill>
+                <a:latin typeface="PingFang SC" charset="-122"/>
+              </a:rPr>
+              <a:t>上竟然安然无恙。</a:t>
+            </a:r>
+            <a:endParaRPr lang="zh-CN" altLang="en-US" dirty="0"/>
+          </a:p>
+        </p:txBody>
+      </p:sp>
+      <p:sp>
+        <p:nvSpPr>
+          <p:cNvPr id="6" name="矩形 5"/>
+          <p:cNvSpPr/>
+          <p:nvPr/>
+        </p:nvSpPr>
+        <p:spPr>
+          <a:xfrm>
+            <a:off x="2134825" y="3126640"/>
+            <a:ext cx="1117614" cy="369332"/>
+          </a:xfrm>
+          <a:prstGeom prst="rect">
+            <a:avLst/>
+          </a:prstGeom>
+        </p:spPr>
+        <p:txBody>
+          <a:bodyPr wrap="none">
+            <a:spAutoFit/>
+          </a:bodyPr>
+          <a:lstStyle/>
+          <a:p>
+            <a:r>
+              <a:rPr lang="en-US" altLang="zh-CN" b="1">
+                <a:solidFill>
+                  <a:srgbClr val="191919"/>
+                </a:solidFill>
+                <a:latin typeface="PingFang SC" charset="-122"/>
+              </a:rPr>
+              <a:t>MIZUNO</a:t>
+            </a:r>
+            <a:endParaRPr lang="zh-CN" altLang="en-US" dirty="0"/>
+          </a:p>
+        </p:txBody>
+      </p:sp>
+      <p:sp>
+        <p:nvSpPr>
+          <p:cNvPr id="7" name="矩形 6"/>
+          <p:cNvSpPr/>
+          <p:nvPr/>
+        </p:nvSpPr>
+        <p:spPr>
+          <a:xfrm>
+            <a:off x="2134825" y="4323694"/>
+            <a:ext cx="4528804" cy="369332"/>
+          </a:xfrm>
+          <a:prstGeom prst="rect">
+            <a:avLst/>
+          </a:prstGeom>
+        </p:spPr>
+        <p:txBody>
+          <a:bodyPr wrap="none">
+            <a:spAutoFit/>
+          </a:bodyPr>
+          <a:lstStyle/>
+          <a:p>
+            <a:r>
+              <a:rPr lang="zh-CN" altLang="en-US"/>
+              <a:t>http://www.sohu.com/a/115967640_408203</a:t>
+            </a:r>
+          </a:p>
+        </p:txBody>
+      </p:sp>
+    </p:spTree>
+    <p:extLst>
+      <p:ext uri="{BB962C8B-B14F-4D97-AF65-F5344CB8AC3E}">
+        <p14:creationId xmlns:p14="http://schemas.microsoft.com/office/powerpoint/2010/main" val="1534467119"/>
+      </p:ext>
+    </p:extLst>
+  </p:cSld>
+  <p:clrMapOvr>
+    <a:masterClrMapping/>
+  </p:clrMapOvr>
+</p:sld>
+</file>
+
+<file path=ppt/slides/slide5.xml><?xml version="1.0" encoding="utf-8"?>
+<p:sld xmlns:a="http://schemas.openxmlformats.org/drawingml/2006/main" xmlns:r="http://schemas.openxmlformats.org/officeDocument/2006/relationships" xmlns:p="http://schemas.openxmlformats.org/presentationml/2006/main">
+  <p:cSld>
+    <p:spTree>
+      <p:nvGrpSpPr>
+        <p:cNvPr id="1" name=""/>
+        <p:cNvGrpSpPr/>
+        <p:nvPr/>
+      </p:nvGrpSpPr>
+      <p:grpSpPr>
+        <a:xfrm>
+          <a:off x="0" y="0"/>
+          <a:ext cx="0" cy="0"/>
+          <a:chOff x="0" y="0"/>
+          <a:chExt cx="0" cy="0"/>
+        </a:xfrm>
+      </p:grpSpPr>
+      <p:sp>
+        <p:nvSpPr>
+          <p:cNvPr id="2" name="标题 1"/>
+          <p:cNvSpPr>
+            <a:spLocks noGrp="1"/>
+          </p:cNvSpPr>
+          <p:nvPr>
+            <p:ph type="ctrTitle"/>
+          </p:nvPr>
+        </p:nvSpPr>
+        <p:spPr>
+          <a:xfrm>
+            <a:off x="1438275" y="485775"/>
+            <a:ext cx="9144000" cy="1095375"/>
+          </a:xfrm>
+        </p:spPr>
+        <p:txBody>
+          <a:bodyPr/>
+          <a:lstStyle/>
+          <a:p>
+            <a:r>
+              <a:rPr kumimoji="1" lang="zh-CN" altLang="en-US" dirty="0" smtClean="0"/>
+              <a:t>四大跑鞋</a:t>
+            </a:r>
+            <a:endParaRPr kumimoji="1" lang="zh-CN" altLang="en-US" dirty="0"/>
+          </a:p>
+        </p:txBody>
+      </p:sp>
+      <p:sp>
+        <p:nvSpPr>
+          <p:cNvPr id="3" name="矩形 2"/>
+          <p:cNvSpPr/>
+          <p:nvPr/>
+        </p:nvSpPr>
+        <p:spPr>
+          <a:xfrm>
+            <a:off x="2272396" y="1829871"/>
+            <a:ext cx="1620957" cy="523220"/>
+          </a:xfrm>
+          <a:prstGeom prst="rect">
+            <a:avLst/>
+          </a:prstGeom>
+        </p:spPr>
+        <p:txBody>
+          <a:bodyPr wrap="none">
+            <a:spAutoFit/>
+          </a:bodyPr>
+          <a:lstStyle/>
+          <a:p>
+            <a:r>
+              <a:rPr lang="zh-CN" altLang="en-US" sz="2800" dirty="0" smtClean="0">
+                <a:solidFill>
+                  <a:srgbClr val="333333"/>
+                </a:solidFill>
+                <a:latin typeface="arial" charset="0"/>
+              </a:rPr>
+              <a:t>怎么来的</a:t>
+            </a:r>
+            <a:endParaRPr lang="zh-CN" altLang="en-US" sz="2800" dirty="0"/>
+          </a:p>
+        </p:txBody>
+      </p:sp>
+    </p:spTree>
+    <p:extLst>
+      <p:ext uri="{BB962C8B-B14F-4D97-AF65-F5344CB8AC3E}">
+        <p14:creationId xmlns:p14="http://schemas.microsoft.com/office/powerpoint/2010/main" val="692829482"/>
+      </p:ext>
+    </p:extLst>
+  </p:cSld>
+  <p:clrMapOvr>
+    <a:masterClrMapping/>
+  </p:clrMapOvr>
+</p:sld>
+</file>
+
+<file path=ppt/slides/slide6.xml><?xml version="1.0" encoding="utf-8"?>
+<p:sld xmlns:a="http://schemas.openxmlformats.org/drawingml/2006/main" xmlns:r="http://schemas.openxmlformats.org/officeDocument/2006/relationships" xmlns:p="http://schemas.openxmlformats.org/presentationml/2006/main">
+  <p:cSld>
+    <p:spTree>
+      <p:nvGrpSpPr>
+        <p:cNvPr id="1" name=""/>
+        <p:cNvGrpSpPr/>
+        <p:nvPr/>
+      </p:nvGrpSpPr>
+      <p:grpSpPr>
+        <a:xfrm>
+          <a:off x="0" y="0"/>
+          <a:ext cx="0" cy="0"/>
+          <a:chOff x="0" y="0"/>
+          <a:chExt cx="0" cy="0"/>
+        </a:xfrm>
+      </p:grpSpPr>
+      <p:sp>
+        <p:nvSpPr>
+          <p:cNvPr id="2" name="标题 1"/>
+          <p:cNvSpPr>
+            <a:spLocks noGrp="1"/>
+          </p:cNvSpPr>
+          <p:nvPr>
+            <p:ph type="ctrTitle"/>
+          </p:nvPr>
+        </p:nvSpPr>
+        <p:spPr>
+          <a:xfrm>
+            <a:off x="1438275" y="485775"/>
+            <a:ext cx="9144000" cy="1095375"/>
+          </a:xfrm>
+        </p:spPr>
+        <p:txBody>
+          <a:bodyPr/>
+          <a:lstStyle/>
+          <a:p>
+            <a:r>
+              <a:rPr kumimoji="1" lang="zh-CN" altLang="en-US" dirty="0" smtClean="0"/>
+              <a:t>亚瑟士和美津浓</a:t>
+            </a:r>
+            <a:endParaRPr kumimoji="1" lang="zh-CN" altLang="en-US" dirty="0"/>
+          </a:p>
+        </p:txBody>
+      </p:sp>
+      <p:sp>
+        <p:nvSpPr>
+          <p:cNvPr id="3" name="矩形 2"/>
+          <p:cNvSpPr/>
+          <p:nvPr/>
+        </p:nvSpPr>
+        <p:spPr>
+          <a:xfrm>
+            <a:off x="2272396" y="1829871"/>
+            <a:ext cx="902811" cy="523220"/>
+          </a:xfrm>
+          <a:prstGeom prst="rect">
+            <a:avLst/>
+          </a:prstGeom>
+        </p:spPr>
+        <p:txBody>
+          <a:bodyPr wrap="none">
+            <a:spAutoFit/>
+          </a:bodyPr>
+          <a:lstStyle/>
+          <a:p>
+            <a:r>
+              <a:rPr lang="zh-CN" altLang="en-US" sz="2800" dirty="0" smtClean="0">
+                <a:solidFill>
+                  <a:srgbClr val="333333"/>
+                </a:solidFill>
+                <a:latin typeface="arial" charset="0"/>
+              </a:rPr>
+              <a:t>历史</a:t>
+            </a:r>
+            <a:endParaRPr lang="zh-CN" altLang="en-US" sz="2800" dirty="0"/>
+          </a:p>
+        </p:txBody>
+      </p:sp>
+      <p:sp>
+        <p:nvSpPr>
+          <p:cNvPr id="4" name="矩形 3"/>
+          <p:cNvSpPr/>
+          <p:nvPr/>
+        </p:nvSpPr>
+        <p:spPr>
+          <a:xfrm>
+            <a:off x="2272396" y="2504659"/>
+            <a:ext cx="1620957" cy="523220"/>
+          </a:xfrm>
+          <a:prstGeom prst="rect">
+            <a:avLst/>
+          </a:prstGeom>
+        </p:spPr>
+        <p:txBody>
+          <a:bodyPr wrap="none">
+            <a:spAutoFit/>
+          </a:bodyPr>
+          <a:lstStyle/>
+          <a:p>
+            <a:r>
+              <a:rPr lang="zh-CN" altLang="en-US" sz="2800" dirty="0" smtClean="0">
+                <a:solidFill>
+                  <a:srgbClr val="333333"/>
+                </a:solidFill>
+                <a:latin typeface="arial" charset="0"/>
+              </a:rPr>
+              <a:t>技术对比</a:t>
+            </a:r>
+            <a:endParaRPr lang="zh-CN" altLang="en-US" sz="2800" dirty="0"/>
+          </a:p>
+        </p:txBody>
+      </p:sp>
+    </p:spTree>
+    <p:extLst>
+      <p:ext uri="{BB962C8B-B14F-4D97-AF65-F5344CB8AC3E}">
+        <p14:creationId xmlns:p14="http://schemas.microsoft.com/office/powerpoint/2010/main" val="782267966"/>
+      </p:ext>
+    </p:extLst>
+  </p:cSld>
+  <p:clrMapOvr>
+    <a:masterClrMapping/>
+  </p:clrMapOvr>
+</p:sld>
+</file>
+
+<file path=ppt/slides/slide7.xml><?xml version="1.0" encoding="utf-8"?>
+<p:sld xmlns:a="http://schemas.openxmlformats.org/drawingml/2006/main" xmlns:r="http://schemas.openxmlformats.org/officeDocument/2006/relationships" xmlns:p="http://schemas.openxmlformats.org/presentationml/2006/main">
+  <p:cSld>
+    <p:spTree>
+      <p:nvGrpSpPr>
+        <p:cNvPr id="1" name=""/>
+        <p:cNvGrpSpPr/>
+        <p:nvPr/>
+      </p:nvGrpSpPr>
+      <p:grpSpPr>
+        <a:xfrm>
+          <a:off x="0" y="0"/>
+          <a:ext cx="0" cy="0"/>
+          <a:chOff x="0" y="0"/>
+          <a:chExt cx="0" cy="0"/>
+        </a:xfrm>
+      </p:grpSpPr>
+      <p:sp>
+        <p:nvSpPr>
+          <p:cNvPr id="2" name="标题 1"/>
+          <p:cNvSpPr>
+            <a:spLocks noGrp="1"/>
+          </p:cNvSpPr>
+          <p:nvPr>
+            <p:ph type="ctrTitle"/>
+          </p:nvPr>
+        </p:nvSpPr>
+        <p:spPr>
+          <a:xfrm>
+            <a:off x="1466850" y="600075"/>
+            <a:ext cx="9144000" cy="1095375"/>
+          </a:xfrm>
+        </p:spPr>
+        <p:txBody>
+          <a:bodyPr/>
+          <a:lstStyle/>
+          <a:p>
+            <a:r>
+              <a:rPr kumimoji="1" lang="zh-CN" altLang="en-US" dirty="0" smtClean="0"/>
+              <a:t>美津浓</a:t>
+            </a:r>
+            <a:endParaRPr kumimoji="1" lang="zh-CN" altLang="en-US" dirty="0"/>
+          </a:p>
+        </p:txBody>
+      </p:sp>
+      <p:sp>
+        <p:nvSpPr>
+          <p:cNvPr id="3" name="矩形 2"/>
+          <p:cNvSpPr/>
+          <p:nvPr/>
+        </p:nvSpPr>
+        <p:spPr>
+          <a:xfrm>
+            <a:off x="2323965" y="3874056"/>
+            <a:ext cx="1800493" cy="369332"/>
+          </a:xfrm>
+          <a:prstGeom prst="rect">
+            <a:avLst/>
+          </a:prstGeom>
+        </p:spPr>
+        <p:txBody>
+          <a:bodyPr wrap="none">
+            <a:spAutoFit/>
+          </a:bodyPr>
+          <a:lstStyle/>
+          <a:p>
+            <a:r>
+              <a:rPr lang="zh-CN" altLang="en-US" dirty="0" smtClean="0">
+                <a:solidFill>
+                  <a:srgbClr val="555555"/>
+                </a:solidFill>
+                <a:latin typeface="TIBch" charset="0"/>
+              </a:rPr>
+              <a:t>跑鞋，足球鞋等</a:t>
+            </a:r>
+            <a:endParaRPr lang="zh-CN" altLang="en-US" dirty="0"/>
+          </a:p>
+        </p:txBody>
+      </p:sp>
+      <p:sp>
+        <p:nvSpPr>
+          <p:cNvPr id="4" name="矩形 3"/>
+          <p:cNvSpPr/>
+          <p:nvPr/>
+        </p:nvSpPr>
+        <p:spPr>
+          <a:xfrm>
+            <a:off x="2323965" y="4607006"/>
+            <a:ext cx="2089803" cy="369332"/>
+          </a:xfrm>
+          <a:prstGeom prst="rect">
+            <a:avLst/>
+          </a:prstGeom>
+        </p:spPr>
+        <p:txBody>
+          <a:bodyPr wrap="none">
+            <a:spAutoFit/>
+          </a:bodyPr>
+          <a:lstStyle/>
+          <a:p>
+            <a:r>
+              <a:rPr lang="en-US" altLang="zh-CN" dirty="0">
+                <a:solidFill>
+                  <a:srgbClr val="555555"/>
+                </a:solidFill>
+                <a:latin typeface="TIBch" charset="0"/>
+              </a:rPr>
+              <a:t>Wave</a:t>
+            </a:r>
+            <a:r>
+              <a:rPr lang="zh-CN" altLang="en-US" dirty="0">
+                <a:solidFill>
+                  <a:srgbClr val="555555"/>
+                </a:solidFill>
+                <a:latin typeface="TIBch" charset="0"/>
+              </a:rPr>
+              <a:t>机械减震技术</a:t>
+            </a:r>
+            <a:endParaRPr lang="zh-CN" altLang="en-US" dirty="0"/>
+          </a:p>
+        </p:txBody>
+      </p:sp>
+      <p:sp>
+        <p:nvSpPr>
+          <p:cNvPr id="5" name="矩形 4"/>
+          <p:cNvSpPr/>
+          <p:nvPr/>
+        </p:nvSpPr>
+        <p:spPr>
+          <a:xfrm>
+            <a:off x="2323965" y="2041565"/>
+            <a:ext cx="646331" cy="369332"/>
+          </a:xfrm>
+          <a:prstGeom prst="rect">
+            <a:avLst/>
+          </a:prstGeom>
+        </p:spPr>
+        <p:txBody>
+          <a:bodyPr wrap="none">
+            <a:spAutoFit/>
+          </a:bodyPr>
+          <a:lstStyle/>
+          <a:p>
+            <a:r>
+              <a:rPr lang="zh-CN" altLang="en-US" smtClean="0">
+                <a:solidFill>
+                  <a:srgbClr val="555555"/>
+                </a:solidFill>
+                <a:latin typeface="TIBch" charset="0"/>
+              </a:rPr>
+              <a:t>历史</a:t>
+            </a:r>
+            <a:endParaRPr lang="zh-CN" altLang="en-US" dirty="0"/>
+          </a:p>
+        </p:txBody>
+      </p:sp>
+    </p:spTree>
+    <p:extLst>
+      <p:ext uri="{BB962C8B-B14F-4D97-AF65-F5344CB8AC3E}">
+        <p14:creationId xmlns:p14="http://schemas.microsoft.com/office/powerpoint/2010/main" val="817323584"/>
+      </p:ext>
+    </p:extLst>
+  </p:cSld>
+  <p:clrMapOvr>
+    <a:masterClrMapping/>
+  </p:clrMapOvr>
+</p:sld>
+</file>
+
 <file path=ppt/theme/theme1.xml><?xml version="1.0" encoding="utf-8"?>
 <a:theme xmlns:a="http://schemas.openxmlformats.org/drawingml/2006/main" name="Office 主题">
   <a:themeElements>

--- a/跑鞋/paoxie.pptx
+++ b/跑鞋/paoxie.pptx
@@ -3796,7 +3796,7 @@
         </p:nvSpPr>
         <p:spPr>
           <a:xfrm>
-            <a:off x="2323965" y="3874056"/>
+            <a:off x="2323965" y="2716755"/>
             <a:ext cx="1800493" cy="369332"/>
           </a:xfrm>
           <a:prstGeom prst="rect">
@@ -3830,7 +3830,7 @@
         </p:nvSpPr>
         <p:spPr>
           <a:xfrm>
-            <a:off x="2323965" y="4607006"/>
+            <a:off x="2323965" y="3449705"/>
             <a:ext cx="2089803" cy="369332"/>
           </a:xfrm>
           <a:prstGeom prst="rect">
